--- a/presentation.pptx
+++ b/presentation.pptx
@@ -4,8 +4,11 @@
   <p:sldMasterIdLst>
     <p:sldMasterId id="2147483672" r:id="rId1"/>
   </p:sldMasterIdLst>
+  <p:notesMasterIdLst>
+    <p:notesMasterId r:id="rId11"/>
+  </p:notesMasterIdLst>
   <p:sldIdLst>
-    <p:sldId id="256" r:id="rId2"/>
+    <p:sldId id="267" r:id="rId2"/>
     <p:sldId id="257" r:id="rId3"/>
     <p:sldId id="260" r:id="rId4"/>
     <p:sldId id="261" r:id="rId5"/>
@@ -115,6 +118,437 @@
 </p:presentation>
 </file>
 
+<file path=ppt/notesMasters/notesMaster1.xml><?xml version="1.0" encoding="utf-8"?>
+<p:notesMaster xmlns:a="http://schemas.openxmlformats.org/drawingml/2006/main" xmlns:r="http://schemas.openxmlformats.org/officeDocument/2006/relationships" xmlns:p="http://schemas.openxmlformats.org/presentationml/2006/main">
+  <p:cSld>
+    <p:bg>
+      <p:bgRef idx="1001">
+        <a:schemeClr val="bg1"/>
+      </p:bgRef>
+    </p:bg>
+    <p:spTree>
+      <p:nvGrpSpPr>
+        <p:cNvPr id="1" name=""/>
+        <p:cNvGrpSpPr/>
+        <p:nvPr/>
+      </p:nvGrpSpPr>
+      <p:grpSpPr>
+        <a:xfrm>
+          <a:off x="0" y="0"/>
+          <a:ext cx="0" cy="0"/>
+          <a:chOff x="0" y="0"/>
+          <a:chExt cx="0" cy="0"/>
+        </a:xfrm>
+      </p:grpSpPr>
+      <p:sp>
+        <p:nvSpPr>
+          <p:cNvPr id="2" name="Верхний колонтитул 1"/>
+          <p:cNvSpPr>
+            <a:spLocks noGrp="1"/>
+          </p:cNvSpPr>
+          <p:nvPr>
+            <p:ph type="hdr" sz="quarter"/>
+          </p:nvPr>
+        </p:nvSpPr>
+        <p:spPr>
+          <a:xfrm>
+            <a:off x="0" y="0"/>
+            <a:ext cx="2971800" cy="457200"/>
+          </a:xfrm>
+          <a:prstGeom prst="rect">
+            <a:avLst/>
+          </a:prstGeom>
+        </p:spPr>
+        <p:txBody>
+          <a:bodyPr vert="horz" lIns="91440" tIns="45720" rIns="91440" bIns="45720" rtlCol="0"/>
+          <a:lstStyle>
+            <a:lvl1pPr algn="l">
+              <a:defRPr sz="1200"/>
+            </a:lvl1pPr>
+          </a:lstStyle>
+          <a:p>
+            <a:endParaRPr lang="ru-RU"/>
+          </a:p>
+        </p:txBody>
+      </p:sp>
+      <p:sp>
+        <p:nvSpPr>
+          <p:cNvPr id="3" name="Дата 2"/>
+          <p:cNvSpPr>
+            <a:spLocks noGrp="1"/>
+          </p:cNvSpPr>
+          <p:nvPr>
+            <p:ph type="dt" idx="1"/>
+          </p:nvPr>
+        </p:nvSpPr>
+        <p:spPr>
+          <a:xfrm>
+            <a:off x="3884613" y="0"/>
+            <a:ext cx="2971800" cy="457200"/>
+          </a:xfrm>
+          <a:prstGeom prst="rect">
+            <a:avLst/>
+          </a:prstGeom>
+        </p:spPr>
+        <p:txBody>
+          <a:bodyPr vert="horz" lIns="91440" tIns="45720" rIns="91440" bIns="45720" rtlCol="0"/>
+          <a:lstStyle>
+            <a:lvl1pPr algn="r">
+              <a:defRPr sz="1200"/>
+            </a:lvl1pPr>
+          </a:lstStyle>
+          <a:p>
+            <a:fld id="{2447329B-11BE-441C-A67B-2183E17645AF}" type="datetimeFigureOut">
+              <a:rPr lang="ru-RU" smtClean="0"/>
+              <a:pPr/>
+              <a:t>12.09.2018</a:t>
+            </a:fld>
+            <a:endParaRPr lang="ru-RU"/>
+          </a:p>
+        </p:txBody>
+      </p:sp>
+      <p:sp>
+        <p:nvSpPr>
+          <p:cNvPr id="4" name="Образ слайда 3"/>
+          <p:cNvSpPr>
+            <a:spLocks noGrp="1" noRot="1" noChangeAspect="1"/>
+          </p:cNvSpPr>
+          <p:nvPr>
+            <p:ph type="sldImg" idx="2"/>
+          </p:nvPr>
+        </p:nvSpPr>
+        <p:spPr>
+          <a:xfrm>
+            <a:off x="1143000" y="685800"/>
+            <a:ext cx="4572000" cy="3429000"/>
+          </a:xfrm>
+          <a:prstGeom prst="rect">
+            <a:avLst/>
+          </a:prstGeom>
+          <a:noFill/>
+          <a:ln w="12700">
+            <a:solidFill>
+              <a:prstClr val="black"/>
+            </a:solidFill>
+          </a:ln>
+        </p:spPr>
+        <p:txBody>
+          <a:bodyPr vert="horz" lIns="91440" tIns="45720" rIns="91440" bIns="45720" rtlCol="0" anchor="ctr"/>
+          <a:lstStyle/>
+          <a:p>
+            <a:endParaRPr lang="ru-RU"/>
+          </a:p>
+        </p:txBody>
+      </p:sp>
+      <p:sp>
+        <p:nvSpPr>
+          <p:cNvPr id="5" name="Заметки 4"/>
+          <p:cNvSpPr>
+            <a:spLocks noGrp="1"/>
+          </p:cNvSpPr>
+          <p:nvPr>
+            <p:ph type="body" sz="quarter" idx="3"/>
+          </p:nvPr>
+        </p:nvSpPr>
+        <p:spPr>
+          <a:xfrm>
+            <a:off x="685800" y="4343400"/>
+            <a:ext cx="5486400" cy="4114800"/>
+          </a:xfrm>
+          <a:prstGeom prst="rect">
+            <a:avLst/>
+          </a:prstGeom>
+        </p:spPr>
+        <p:txBody>
+          <a:bodyPr vert="horz" lIns="91440" tIns="45720" rIns="91440" bIns="45720" rtlCol="0">
+            <a:normAutofit/>
+          </a:bodyPr>
+          <a:lstStyle/>
+          <a:p>
+            <a:pPr lvl="0"/>
+            <a:r>
+              <a:rPr lang="ru-RU" smtClean="0"/>
+              <a:t>Образец текста</a:t>
+            </a:r>
+          </a:p>
+          <a:p>
+            <a:pPr lvl="1"/>
+            <a:r>
+              <a:rPr lang="ru-RU" smtClean="0"/>
+              <a:t>Второй уровень</a:t>
+            </a:r>
+          </a:p>
+          <a:p>
+            <a:pPr lvl="2"/>
+            <a:r>
+              <a:rPr lang="ru-RU" smtClean="0"/>
+              <a:t>Третий уровень</a:t>
+            </a:r>
+          </a:p>
+          <a:p>
+            <a:pPr lvl="3"/>
+            <a:r>
+              <a:rPr lang="ru-RU" smtClean="0"/>
+              <a:t>Четвертый уровень</a:t>
+            </a:r>
+          </a:p>
+          <a:p>
+            <a:pPr lvl="4"/>
+            <a:r>
+              <a:rPr lang="ru-RU" smtClean="0"/>
+              <a:t>Пятый уровень</a:t>
+            </a:r>
+            <a:endParaRPr lang="ru-RU"/>
+          </a:p>
+        </p:txBody>
+      </p:sp>
+      <p:sp>
+        <p:nvSpPr>
+          <p:cNvPr id="6" name="Нижний колонтитул 5"/>
+          <p:cNvSpPr>
+            <a:spLocks noGrp="1"/>
+          </p:cNvSpPr>
+          <p:nvPr>
+            <p:ph type="ftr" sz="quarter" idx="4"/>
+          </p:nvPr>
+        </p:nvSpPr>
+        <p:spPr>
+          <a:xfrm>
+            <a:off x="0" y="8685213"/>
+            <a:ext cx="2971800" cy="457200"/>
+          </a:xfrm>
+          <a:prstGeom prst="rect">
+            <a:avLst/>
+          </a:prstGeom>
+        </p:spPr>
+        <p:txBody>
+          <a:bodyPr vert="horz" lIns="91440" tIns="45720" rIns="91440" bIns="45720" rtlCol="0" anchor="b"/>
+          <a:lstStyle>
+            <a:lvl1pPr algn="l">
+              <a:defRPr sz="1200"/>
+            </a:lvl1pPr>
+          </a:lstStyle>
+          <a:p>
+            <a:endParaRPr lang="ru-RU"/>
+          </a:p>
+        </p:txBody>
+      </p:sp>
+      <p:sp>
+        <p:nvSpPr>
+          <p:cNvPr id="7" name="Номер слайда 6"/>
+          <p:cNvSpPr>
+            <a:spLocks noGrp="1"/>
+          </p:cNvSpPr>
+          <p:nvPr>
+            <p:ph type="sldNum" sz="quarter" idx="5"/>
+          </p:nvPr>
+        </p:nvSpPr>
+        <p:spPr>
+          <a:xfrm>
+            <a:off x="3884613" y="8685213"/>
+            <a:ext cx="2971800" cy="457200"/>
+          </a:xfrm>
+          <a:prstGeom prst="rect">
+            <a:avLst/>
+          </a:prstGeom>
+        </p:spPr>
+        <p:txBody>
+          <a:bodyPr vert="horz" lIns="91440" tIns="45720" rIns="91440" bIns="45720" rtlCol="0" anchor="b"/>
+          <a:lstStyle>
+            <a:lvl1pPr algn="r">
+              <a:defRPr sz="1200"/>
+            </a:lvl1pPr>
+          </a:lstStyle>
+          <a:p>
+            <a:fld id="{9DFAAD11-8EDD-414A-A3F3-27F1FBD5B097}" type="slidenum">
+              <a:rPr lang="ru-RU" smtClean="0"/>
+              <a:pPr/>
+              <a:t>‹#›</a:t>
+            </a:fld>
+            <a:endParaRPr lang="ru-RU"/>
+          </a:p>
+        </p:txBody>
+      </p:sp>
+    </p:spTree>
+  </p:cSld>
+  <p:clrMap bg1="lt1" tx1="dk1" bg2="lt2" tx2="dk2" accent1="accent1" accent2="accent2" accent3="accent3" accent4="accent4" accent5="accent5" accent6="accent6" hlink="hlink" folHlink="folHlink"/>
+  <p:notesStyle>
+    <a:lvl1pPr marL="0" algn="l" defTabSz="914400" rtl="0" eaLnBrk="1" latinLnBrk="0" hangingPunct="1">
+      <a:defRPr sz="1200" kern="1200">
+        <a:solidFill>
+          <a:schemeClr val="tx1"/>
+        </a:solidFill>
+        <a:latin typeface="+mn-lt"/>
+        <a:ea typeface="+mn-ea"/>
+        <a:cs typeface="+mn-cs"/>
+      </a:defRPr>
+    </a:lvl1pPr>
+    <a:lvl2pPr marL="457200" algn="l" defTabSz="914400" rtl="0" eaLnBrk="1" latinLnBrk="0" hangingPunct="1">
+      <a:defRPr sz="1200" kern="1200">
+        <a:solidFill>
+          <a:schemeClr val="tx1"/>
+        </a:solidFill>
+        <a:latin typeface="+mn-lt"/>
+        <a:ea typeface="+mn-ea"/>
+        <a:cs typeface="+mn-cs"/>
+      </a:defRPr>
+    </a:lvl2pPr>
+    <a:lvl3pPr marL="914400" algn="l" defTabSz="914400" rtl="0" eaLnBrk="1" latinLnBrk="0" hangingPunct="1">
+      <a:defRPr sz="1200" kern="1200">
+        <a:solidFill>
+          <a:schemeClr val="tx1"/>
+        </a:solidFill>
+        <a:latin typeface="+mn-lt"/>
+        <a:ea typeface="+mn-ea"/>
+        <a:cs typeface="+mn-cs"/>
+      </a:defRPr>
+    </a:lvl3pPr>
+    <a:lvl4pPr marL="1371600" algn="l" defTabSz="914400" rtl="0" eaLnBrk="1" latinLnBrk="0" hangingPunct="1">
+      <a:defRPr sz="1200" kern="1200">
+        <a:solidFill>
+          <a:schemeClr val="tx1"/>
+        </a:solidFill>
+        <a:latin typeface="+mn-lt"/>
+        <a:ea typeface="+mn-ea"/>
+        <a:cs typeface="+mn-cs"/>
+      </a:defRPr>
+    </a:lvl4pPr>
+    <a:lvl5pPr marL="1828800" algn="l" defTabSz="914400" rtl="0" eaLnBrk="1" latinLnBrk="0" hangingPunct="1">
+      <a:defRPr sz="1200" kern="1200">
+        <a:solidFill>
+          <a:schemeClr val="tx1"/>
+        </a:solidFill>
+        <a:latin typeface="+mn-lt"/>
+        <a:ea typeface="+mn-ea"/>
+        <a:cs typeface="+mn-cs"/>
+      </a:defRPr>
+    </a:lvl5pPr>
+    <a:lvl6pPr marL="2286000" algn="l" defTabSz="914400" rtl="0" eaLnBrk="1" latinLnBrk="0" hangingPunct="1">
+      <a:defRPr sz="1200" kern="1200">
+        <a:solidFill>
+          <a:schemeClr val="tx1"/>
+        </a:solidFill>
+        <a:latin typeface="+mn-lt"/>
+        <a:ea typeface="+mn-ea"/>
+        <a:cs typeface="+mn-cs"/>
+      </a:defRPr>
+    </a:lvl6pPr>
+    <a:lvl7pPr marL="2743200" algn="l" defTabSz="914400" rtl="0" eaLnBrk="1" latinLnBrk="0" hangingPunct="1">
+      <a:defRPr sz="1200" kern="1200">
+        <a:solidFill>
+          <a:schemeClr val="tx1"/>
+        </a:solidFill>
+        <a:latin typeface="+mn-lt"/>
+        <a:ea typeface="+mn-ea"/>
+        <a:cs typeface="+mn-cs"/>
+      </a:defRPr>
+    </a:lvl7pPr>
+    <a:lvl8pPr marL="3200400" algn="l" defTabSz="914400" rtl="0" eaLnBrk="1" latinLnBrk="0" hangingPunct="1">
+      <a:defRPr sz="1200" kern="1200">
+        <a:solidFill>
+          <a:schemeClr val="tx1"/>
+        </a:solidFill>
+        <a:latin typeface="+mn-lt"/>
+        <a:ea typeface="+mn-ea"/>
+        <a:cs typeface="+mn-cs"/>
+      </a:defRPr>
+    </a:lvl8pPr>
+    <a:lvl9pPr marL="3657600" algn="l" defTabSz="914400" rtl="0" eaLnBrk="1" latinLnBrk="0" hangingPunct="1">
+      <a:defRPr sz="1200" kern="1200">
+        <a:solidFill>
+          <a:schemeClr val="tx1"/>
+        </a:solidFill>
+        <a:latin typeface="+mn-lt"/>
+        <a:ea typeface="+mn-ea"/>
+        <a:cs typeface="+mn-cs"/>
+      </a:defRPr>
+    </a:lvl9pPr>
+  </p:notesStyle>
+</p:notesMaster>
+</file>
+
+<file path=ppt/notesSlides/notesSlide1.xml><?xml version="1.0" encoding="utf-8"?>
+<p:notes xmlns:a="http://schemas.openxmlformats.org/drawingml/2006/main" xmlns:r="http://schemas.openxmlformats.org/officeDocument/2006/relationships" xmlns:p="http://schemas.openxmlformats.org/presentationml/2006/main">
+  <p:cSld>
+    <p:spTree>
+      <p:nvGrpSpPr>
+        <p:cNvPr id="1" name=""/>
+        <p:cNvGrpSpPr/>
+        <p:nvPr/>
+      </p:nvGrpSpPr>
+      <p:grpSpPr>
+        <a:xfrm>
+          <a:off x="0" y="0"/>
+          <a:ext cx="0" cy="0"/>
+          <a:chOff x="0" y="0"/>
+          <a:chExt cx="0" cy="0"/>
+        </a:xfrm>
+      </p:grpSpPr>
+      <p:sp>
+        <p:nvSpPr>
+          <p:cNvPr id="2" name="Образ слайда 1"/>
+          <p:cNvSpPr>
+            <a:spLocks noGrp="1" noRot="1" noChangeAspect="1"/>
+          </p:cNvSpPr>
+          <p:nvPr>
+            <p:ph type="sldImg"/>
+          </p:nvPr>
+        </p:nvSpPr>
+        <p:spPr/>
+      </p:sp>
+      <p:sp>
+        <p:nvSpPr>
+          <p:cNvPr id="3" name="Заметки 2"/>
+          <p:cNvSpPr>
+            <a:spLocks noGrp="1"/>
+          </p:cNvSpPr>
+          <p:nvPr>
+            <p:ph type="body" idx="1"/>
+          </p:nvPr>
+        </p:nvSpPr>
+        <p:spPr/>
+        <p:txBody>
+          <a:bodyPr>
+            <a:normAutofit/>
+          </a:bodyPr>
+          <a:lstStyle/>
+          <a:p>
+            <a:endParaRPr lang="ru-RU" dirty="0"/>
+          </a:p>
+        </p:txBody>
+      </p:sp>
+      <p:sp>
+        <p:nvSpPr>
+          <p:cNvPr id="4" name="Номер слайда 3"/>
+          <p:cNvSpPr>
+            <a:spLocks noGrp="1"/>
+          </p:cNvSpPr>
+          <p:nvPr>
+            <p:ph type="sldNum" sz="quarter" idx="10"/>
+          </p:nvPr>
+        </p:nvSpPr>
+        <p:spPr/>
+        <p:txBody>
+          <a:bodyPr/>
+          <a:lstStyle/>
+          <a:p>
+            <a:fld id="{CBBC002B-00C5-4685-8D79-44C699CE14BF}" type="slidenum">
+              <a:rPr lang="ru-RU" smtClean="0"/>
+              <a:pPr/>
+              <a:t>1</a:t>
+            </a:fld>
+            <a:endParaRPr lang="ru-RU"/>
+          </a:p>
+        </p:txBody>
+      </p:sp>
+    </p:spTree>
+  </p:cSld>
+  <p:clrMapOvr>
+    <a:masterClrMapping/>
+  </p:clrMapOvr>
+</p:notes>
+</file>
+
 <file path=ppt/slideLayouts/slideLayout1.xml><?xml version="1.0" encoding="utf-8"?>
 <p:sldLayout xmlns:a="http://schemas.openxmlformats.org/drawingml/2006/main" xmlns:r="http://schemas.openxmlformats.org/officeDocument/2006/relationships" xmlns:p="http://schemas.openxmlformats.org/presentationml/2006/main" type="title" preserve="1">
   <p:cSld name="Титульный слайд">
@@ -297,7 +731,7 @@
             <a:fld id="{00BBBA34-0228-4B60-8930-638AAA8D647A}" type="datetimeFigureOut">
               <a:rPr lang="ru-RU" smtClean="0"/>
               <a:pPr/>
-              <a:t>18.07.2018</a:t>
+              <a:t>12.09.2018</a:t>
             </a:fld>
             <a:endParaRPr lang="ru-RU"/>
           </a:p>
@@ -464,7 +898,7 @@
             <a:fld id="{00BBBA34-0228-4B60-8930-638AAA8D647A}" type="datetimeFigureOut">
               <a:rPr lang="ru-RU" smtClean="0"/>
               <a:pPr/>
-              <a:t>18.07.2018</a:t>
+              <a:t>12.09.2018</a:t>
             </a:fld>
             <a:endParaRPr lang="ru-RU"/>
           </a:p>
@@ -641,7 +1075,7 @@
             <a:fld id="{00BBBA34-0228-4B60-8930-638AAA8D647A}" type="datetimeFigureOut">
               <a:rPr lang="ru-RU" smtClean="0"/>
               <a:pPr/>
-              <a:t>18.07.2018</a:t>
+              <a:t>12.09.2018</a:t>
             </a:fld>
             <a:endParaRPr lang="ru-RU"/>
           </a:p>
@@ -808,7 +1242,7 @@
             <a:fld id="{00BBBA34-0228-4B60-8930-638AAA8D647A}" type="datetimeFigureOut">
               <a:rPr lang="ru-RU" smtClean="0"/>
               <a:pPr/>
-              <a:t>18.07.2018</a:t>
+              <a:t>12.09.2018</a:t>
             </a:fld>
             <a:endParaRPr lang="ru-RU"/>
           </a:p>
@@ -1051,7 +1485,7 @@
             <a:fld id="{00BBBA34-0228-4B60-8930-638AAA8D647A}" type="datetimeFigureOut">
               <a:rPr lang="ru-RU" smtClean="0"/>
               <a:pPr/>
-              <a:t>18.07.2018</a:t>
+              <a:t>12.09.2018</a:t>
             </a:fld>
             <a:endParaRPr lang="ru-RU"/>
           </a:p>
@@ -1336,7 +1770,7 @@
             <a:fld id="{00BBBA34-0228-4B60-8930-638AAA8D647A}" type="datetimeFigureOut">
               <a:rPr lang="ru-RU" smtClean="0"/>
               <a:pPr/>
-              <a:t>18.07.2018</a:t>
+              <a:t>12.09.2018</a:t>
             </a:fld>
             <a:endParaRPr lang="ru-RU"/>
           </a:p>
@@ -1755,7 +2189,7 @@
             <a:fld id="{00BBBA34-0228-4B60-8930-638AAA8D647A}" type="datetimeFigureOut">
               <a:rPr lang="ru-RU" smtClean="0"/>
               <a:pPr/>
-              <a:t>18.07.2018</a:t>
+              <a:t>12.09.2018</a:t>
             </a:fld>
             <a:endParaRPr lang="ru-RU"/>
           </a:p>
@@ -1870,7 +2304,7 @@
             <a:fld id="{00BBBA34-0228-4B60-8930-638AAA8D647A}" type="datetimeFigureOut">
               <a:rPr lang="ru-RU" smtClean="0"/>
               <a:pPr/>
-              <a:t>18.07.2018</a:t>
+              <a:t>12.09.2018</a:t>
             </a:fld>
             <a:endParaRPr lang="ru-RU"/>
           </a:p>
@@ -1962,7 +2396,7 @@
             <a:fld id="{00BBBA34-0228-4B60-8930-638AAA8D647A}" type="datetimeFigureOut">
               <a:rPr lang="ru-RU" smtClean="0"/>
               <a:pPr/>
-              <a:t>18.07.2018</a:t>
+              <a:t>12.09.2018</a:t>
             </a:fld>
             <a:endParaRPr lang="ru-RU"/>
           </a:p>
@@ -2236,7 +2670,7 @@
             <a:fld id="{00BBBA34-0228-4B60-8930-638AAA8D647A}" type="datetimeFigureOut">
               <a:rPr lang="ru-RU" smtClean="0"/>
               <a:pPr/>
-              <a:t>18.07.2018</a:t>
+              <a:t>12.09.2018</a:t>
             </a:fld>
             <a:endParaRPr lang="ru-RU"/>
           </a:p>
@@ -2486,7 +2920,7 @@
             <a:fld id="{00BBBA34-0228-4B60-8930-638AAA8D647A}" type="datetimeFigureOut">
               <a:rPr lang="ru-RU" smtClean="0"/>
               <a:pPr/>
-              <a:t>18.07.2018</a:t>
+              <a:t>12.09.2018</a:t>
             </a:fld>
             <a:endParaRPr lang="ru-RU"/>
           </a:p>
@@ -2696,7 +3130,7 @@
             <a:fld id="{00BBBA34-0228-4B60-8930-638AAA8D647A}" type="datetimeFigureOut">
               <a:rPr lang="ru-RU" smtClean="0"/>
               <a:pPr/>
-              <a:t>18.07.2018</a:t>
+              <a:t>12.09.2018</a:t>
             </a:fld>
             <a:endParaRPr lang="ru-RU"/>
           </a:p>
@@ -3080,7 +3514,7 @@
         <p:spPr>
           <a:xfrm>
             <a:off x="0" y="0"/>
-            <a:ext cx="9144000" cy="4221088"/>
+            <a:ext cx="9144000" cy="3501008"/>
           </a:xfrm>
         </p:spPr>
         <p:txBody>
@@ -3091,7 +3525,7 @@
           <a:p>
             <a:r>
               <a:rPr lang="ru-RU" sz="5400" dirty="0" smtClean="0"/>
-              <a:t>Определение эффективности инфракрасной камеры при работе в спектральном режиме</a:t>
+              <a:t>Определение эффективности инфракрасной камеры при работе в спектроскопическом режиме</a:t>
             </a:r>
             <a:endParaRPr lang="ru-RU" sz="5400" dirty="0"/>
           </a:p>
@@ -3107,12 +3541,59 @@
             <p:ph type="subTitle" idx="1"/>
           </p:nvPr>
         </p:nvSpPr>
-        <p:spPr/>
-        <p:txBody>
-          <a:bodyPr/>
-          <a:lstStyle/>
-          <a:p>
-            <a:endParaRPr lang="ru-RU"/>
+        <p:spPr>
+          <a:xfrm>
+            <a:off x="0" y="4077072"/>
+            <a:ext cx="9144000" cy="1752600"/>
+          </a:xfrm>
+        </p:spPr>
+        <p:txBody>
+          <a:bodyPr>
+            <a:normAutofit/>
+          </a:bodyPr>
+          <a:lstStyle/>
+          <a:p>
+            <a:r>
+              <a:rPr lang="ru-RU" sz="2000" dirty="0" smtClean="0"/>
+              <a:t>(Н.А. МИТИЧКИН, И.А. ОРЛОВ)</a:t>
+            </a:r>
+          </a:p>
+          <a:p>
+            <a:r>
+              <a:rPr lang="ru-RU" sz="2000" dirty="0" smtClean="0"/>
+              <a:t>РУКОВОДИТЕЛЬ: А.М. ТАТАРНИКОВ</a:t>
+            </a:r>
+            <a:endParaRPr lang="ru-RU" sz="2000" dirty="0"/>
+          </a:p>
+        </p:txBody>
+      </p:sp>
+      <p:sp>
+        <p:nvSpPr>
+          <p:cNvPr id="5" name="Прямоугольник 4"/>
+          <p:cNvSpPr/>
+          <p:nvPr/>
+        </p:nvSpPr>
+        <p:spPr>
+          <a:xfrm>
+            <a:off x="0" y="6309320"/>
+            <a:ext cx="9144000" cy="369332"/>
+          </a:xfrm>
+          <a:prstGeom prst="rect">
+            <a:avLst/>
+          </a:prstGeom>
+        </p:spPr>
+        <p:txBody>
+          <a:bodyPr wrap="square">
+            <a:spAutoFit/>
+          </a:bodyPr>
+          <a:lstStyle/>
+          <a:p>
+            <a:pPr algn="ctr"/>
+            <a:r>
+              <a:rPr lang="ru-RU" dirty="0" smtClean="0"/>
+              <a:t>ГАИШ МГУ имени М.В. Ломоносова, июль 2018 г.</a:t>
+            </a:r>
+            <a:endParaRPr lang="ru-RU" dirty="0"/>
           </a:p>
         </p:txBody>
       </p:sp>
@@ -3196,7 +3677,7 @@
         <p:spPr bwMode="auto">
           <a:xfrm>
             <a:off x="0" y="0"/>
-            <a:ext cx="5364088" cy="4653136"/>
+            <a:ext cx="5364088" cy="3933056"/>
           </a:xfrm>
           <a:prstGeom prst="rect">
             <a:avLst/>
@@ -3218,7 +3699,7 @@
         </p:nvSpPr>
         <p:spPr>
           <a:xfrm>
-            <a:off x="0" y="5445224"/>
+            <a:off x="0" y="4077072"/>
             <a:ext cx="5373138" cy="523220"/>
           </a:xfrm>
           <a:prstGeom prst="rect">
@@ -3312,7 +3793,7 @@
         <p:spPr>
           <a:xfrm>
             <a:off x="0" y="0"/>
-            <a:ext cx="9144000" cy="523220"/>
+            <a:ext cx="9144000" cy="507831"/>
           </a:xfrm>
           <a:prstGeom prst="rect">
             <a:avLst/>
@@ -3326,14 +3807,10 @@
           <a:p>
             <a:pPr algn="ctr"/>
             <a:r>
-              <a:rPr lang="ru-RU" sz="2800" dirty="0" smtClean="0"/>
-              <a:t>Спектральная щель </a:t>
-            </a:r>
-            <a:r>
-              <a:rPr lang="en-US" sz="2800" dirty="0" smtClean="0"/>
-              <a:t>SLIT6</a:t>
-            </a:r>
-            <a:endParaRPr lang="ru-RU" sz="2800" dirty="0"/>
+              <a:rPr lang="ru-RU" sz="2700" dirty="0" smtClean="0"/>
+              <a:t>Спектры звезды с использованием спектральной щели SLIT6</a:t>
+            </a:r>
+            <a:endParaRPr lang="ru-RU" sz="2700" dirty="0"/>
           </a:p>
         </p:txBody>
       </p:sp>
@@ -3345,8 +3822,8 @@
         </p:nvSpPr>
         <p:spPr>
           <a:xfrm>
-            <a:off x="0" y="3284984"/>
-            <a:ext cx="9144000" cy="523220"/>
+            <a:off x="0" y="3933056"/>
+            <a:ext cx="9144000" cy="507831"/>
           </a:xfrm>
           <a:prstGeom prst="rect">
             <a:avLst/>
@@ -3360,20 +3837,122 @@
           <a:p>
             <a:pPr algn="ctr"/>
             <a:r>
-              <a:rPr lang="ru-RU" sz="2800" dirty="0" smtClean="0"/>
-              <a:t>Спектральная щель </a:t>
-            </a:r>
-            <a:r>
-              <a:rPr lang="en-US" sz="2800" dirty="0" smtClean="0"/>
-              <a:t>SLIT7</a:t>
-            </a:r>
-            <a:endParaRPr lang="ru-RU" sz="2800" dirty="0"/>
+              <a:rPr lang="ru-RU" sz="2700" dirty="0" smtClean="0"/>
+              <a:t>Спектры звезды с использованием спектральной щели SLIT</a:t>
+            </a:r>
+            <a:r>
+              <a:rPr lang="en-US" sz="2700" dirty="0" smtClean="0"/>
+              <a:t>7</a:t>
+            </a:r>
+            <a:endParaRPr lang="ru-RU" sz="2700" dirty="0"/>
+          </a:p>
+        </p:txBody>
+      </p:sp>
+      <p:sp>
+        <p:nvSpPr>
+          <p:cNvPr id="10" name="Прямоугольник 9"/>
+          <p:cNvSpPr/>
+          <p:nvPr/>
+        </p:nvSpPr>
+        <p:spPr>
+          <a:xfrm>
+            <a:off x="2627784" y="2564904"/>
+            <a:ext cx="2376264" cy="369332"/>
+          </a:xfrm>
+          <a:prstGeom prst="rect">
+            <a:avLst/>
+          </a:prstGeom>
+        </p:spPr>
+        <p:txBody>
+          <a:bodyPr wrap="square">
+            <a:spAutoFit/>
+          </a:bodyPr>
+          <a:lstStyle/>
+          <a:p>
+            <a:pPr algn="ctr"/>
+            <a:r>
+              <a:rPr lang="ru-RU" dirty="0" smtClean="0"/>
+              <a:t>фильтр </a:t>
+            </a:r>
+            <a:r>
+              <a:rPr lang="en-US" dirty="0" smtClean="0"/>
+              <a:t>JOS</a:t>
+            </a:r>
+            <a:endParaRPr lang="ru-RU" dirty="0"/>
+          </a:p>
+        </p:txBody>
+      </p:sp>
+      <p:sp>
+        <p:nvSpPr>
+          <p:cNvPr id="11" name="Прямоугольник 10"/>
+          <p:cNvSpPr/>
+          <p:nvPr/>
+        </p:nvSpPr>
+        <p:spPr>
+          <a:xfrm>
+            <a:off x="5076056" y="2564904"/>
+            <a:ext cx="1728192" cy="369332"/>
+          </a:xfrm>
+          <a:prstGeom prst="rect">
+            <a:avLst/>
+          </a:prstGeom>
+        </p:spPr>
+        <p:txBody>
+          <a:bodyPr wrap="square">
+            <a:spAutoFit/>
+          </a:bodyPr>
+          <a:lstStyle/>
+          <a:p>
+            <a:pPr algn="ctr"/>
+            <a:r>
+              <a:rPr lang="ru-RU" dirty="0" smtClean="0"/>
+              <a:t>фильтр </a:t>
+            </a:r>
+            <a:r>
+              <a:rPr lang="en-US" dirty="0" smtClean="0"/>
+              <a:t>H</a:t>
+            </a:r>
+            <a:endParaRPr lang="ru-RU" dirty="0"/>
+          </a:p>
+        </p:txBody>
+      </p:sp>
+      <p:sp>
+        <p:nvSpPr>
+          <p:cNvPr id="12" name="Прямоугольник 11"/>
+          <p:cNvSpPr/>
+          <p:nvPr/>
+        </p:nvSpPr>
+        <p:spPr>
+          <a:xfrm>
+            <a:off x="6876256" y="2564904"/>
+            <a:ext cx="2267744" cy="369332"/>
+          </a:xfrm>
+          <a:prstGeom prst="rect">
+            <a:avLst/>
+          </a:prstGeom>
+        </p:spPr>
+        <p:txBody>
+          <a:bodyPr wrap="square">
+            <a:spAutoFit/>
+          </a:bodyPr>
+          <a:lstStyle/>
+          <a:p>
+            <a:pPr algn="ctr"/>
+            <a:r>
+              <a:rPr lang="ru-RU" dirty="0" smtClean="0"/>
+              <a:t>фильтр </a:t>
+            </a:r>
+            <a:r>
+              <a:rPr lang="en-US" dirty="0" smtClean="0"/>
+              <a:t>K</a:t>
+            </a:r>
+            <a:endParaRPr lang="ru-RU" dirty="0"/>
           </a:p>
         </p:txBody>
       </p:sp>
       <p:pic>
         <p:nvPicPr>
-          <p:cNvPr id="4" name="Рисунок 3" descr="J_photo_1.png"/>
+          <p:cNvPr id="16" name="Рисунок 15" descr="SLIT6_Y1.png"/>
           <p:cNvPicPr>
             <a:picLocks noChangeAspect="1"/>
           </p:cNvPicPr>
@@ -3388,7 +3967,7 @@
         <p:spPr>
           <a:xfrm>
             <a:off x="0" y="548680"/>
-            <a:ext cx="2771800" cy="2330832"/>
+            <a:ext cx="2545068" cy="2016225"/>
           </a:xfrm>
           <a:prstGeom prst="rect">
             <a:avLst/>
@@ -3397,7 +3976,7 @@
       </p:pic>
       <p:pic>
         <p:nvPicPr>
-          <p:cNvPr id="5" name="Рисунок 4" descr="H_photo_1.png"/>
+          <p:cNvPr id="17" name="Рисунок 16" descr="SLIT6_J1.png"/>
           <p:cNvPicPr>
             <a:picLocks noChangeAspect="1"/>
           </p:cNvPicPr>
@@ -3411,8 +3990,8 @@
         </p:blipFill>
         <p:spPr>
           <a:xfrm>
-            <a:off x="3851920" y="548680"/>
-            <a:ext cx="1918498" cy="2285017"/>
+            <a:off x="2627784" y="548680"/>
+            <a:ext cx="2398694" cy="2016224"/>
           </a:xfrm>
           <a:prstGeom prst="rect">
             <a:avLst/>
@@ -3421,7 +4000,7 @@
       </p:pic>
       <p:pic>
         <p:nvPicPr>
-          <p:cNvPr id="6" name="Рисунок 5" descr="K_photo_1.png"/>
+          <p:cNvPr id="18" name="Рисунок 17" descr="SLIT6_H1.png"/>
           <p:cNvPicPr>
             <a:picLocks noChangeAspect="1"/>
           </p:cNvPicPr>
@@ -3435,8 +4014,8 @@
         </p:blipFill>
         <p:spPr>
           <a:xfrm>
-            <a:off x="6841802" y="548680"/>
-            <a:ext cx="2302198" cy="2067396"/>
+            <a:off x="5076056" y="548681"/>
+            <a:ext cx="1728192" cy="2016224"/>
           </a:xfrm>
           <a:prstGeom prst="rect">
             <a:avLst/>
@@ -3445,7 +4024,7 @@
       </p:pic>
       <p:pic>
         <p:nvPicPr>
-          <p:cNvPr id="7" name="Рисунок 6" descr="J7_photo_1.png"/>
+          <p:cNvPr id="19" name="Рисунок 18" descr="SLIT6_K1.png"/>
           <p:cNvPicPr>
             <a:picLocks noChangeAspect="1"/>
           </p:cNvPicPr>
@@ -3459,17 +4038,51 @@
         </p:blipFill>
         <p:spPr>
           <a:xfrm>
-            <a:off x="0" y="3861048"/>
-            <a:ext cx="2987824" cy="2523879"/>
+            <a:off x="6886964" y="548679"/>
+            <a:ext cx="2257036" cy="2016225"/>
           </a:xfrm>
           <a:prstGeom prst="rect">
             <a:avLst/>
           </a:prstGeom>
         </p:spPr>
       </p:pic>
+      <p:sp>
+        <p:nvSpPr>
+          <p:cNvPr id="20" name="Прямоугольник 19"/>
+          <p:cNvSpPr/>
+          <p:nvPr/>
+        </p:nvSpPr>
+        <p:spPr>
+          <a:xfrm>
+            <a:off x="0" y="2564904"/>
+            <a:ext cx="2555776" cy="369332"/>
+          </a:xfrm>
+          <a:prstGeom prst="rect">
+            <a:avLst/>
+          </a:prstGeom>
+        </p:spPr>
+        <p:txBody>
+          <a:bodyPr wrap="square">
+            <a:spAutoFit/>
+          </a:bodyPr>
+          <a:lstStyle/>
+          <a:p>
+            <a:pPr algn="ctr"/>
+            <a:r>
+              <a:rPr lang="ru-RU" dirty="0" smtClean="0"/>
+              <a:t>фильтр </a:t>
+            </a:r>
+            <a:r>
+              <a:rPr lang="en-US" dirty="0" smtClean="0"/>
+              <a:t>YOS</a:t>
+            </a:r>
+            <a:endParaRPr lang="ru-RU" dirty="0"/>
+          </a:p>
+        </p:txBody>
+      </p:sp>
       <p:pic>
         <p:nvPicPr>
-          <p:cNvPr id="8" name="Рисунок 7" descr="H7_photo_1.png"/>
+          <p:cNvPr id="21" name="Рисунок 20" descr="SLIT7_Y1.png"/>
           <p:cNvPicPr>
             <a:picLocks noChangeAspect="1"/>
           </p:cNvPicPr>
@@ -3483,8 +4096,8 @@
         </p:blipFill>
         <p:spPr>
           <a:xfrm>
-            <a:off x="3779912" y="3861048"/>
-            <a:ext cx="2066116" cy="2474388"/>
+            <a:off x="0" y="4509120"/>
+            <a:ext cx="2471196" cy="2016224"/>
           </a:xfrm>
           <a:prstGeom prst="rect">
             <a:avLst/>
@@ -3493,7 +4106,7 @@
       </p:pic>
       <p:pic>
         <p:nvPicPr>
-          <p:cNvPr id="9" name="Рисунок 8" descr="K7_photo_1.png"/>
+          <p:cNvPr id="22" name="Рисунок 21" descr="SLIT7_J1.png"/>
           <p:cNvPicPr>
             <a:picLocks noChangeAspect="1"/>
           </p:cNvPicPr>
@@ -3507,24 +4120,72 @@
         </p:blipFill>
         <p:spPr>
           <a:xfrm>
-            <a:off x="6657239" y="3861048"/>
-            <a:ext cx="2486761" cy="2226952"/>
+            <a:off x="2627784" y="4509120"/>
+            <a:ext cx="2332622" cy="2016224"/>
           </a:xfrm>
           <a:prstGeom prst="rect">
             <a:avLst/>
           </a:prstGeom>
         </p:spPr>
       </p:pic>
-      <p:sp>
-        <p:nvSpPr>
-          <p:cNvPr id="10" name="Прямоугольник 9"/>
+      <p:pic>
+        <p:nvPicPr>
+          <p:cNvPr id="23" name="Рисунок 22" descr="SLIT7_H1.png"/>
+          <p:cNvPicPr>
+            <a:picLocks noChangeAspect="1"/>
+          </p:cNvPicPr>
+          <p:nvPr/>
+        </p:nvPicPr>
+        <p:blipFill>
+          <a:blip r:embed="rId8" cstate="print"/>
+          <a:stretch>
+            <a:fillRect/>
+          </a:stretch>
+        </p:blipFill>
+        <p:spPr>
+          <a:xfrm>
+            <a:off x="5148064" y="4509120"/>
+            <a:ext cx="1658240" cy="2016224"/>
+          </a:xfrm>
+          <a:prstGeom prst="rect">
+            <a:avLst/>
+          </a:prstGeom>
+        </p:spPr>
+      </p:pic>
+      <p:pic>
+        <p:nvPicPr>
+          <p:cNvPr id="24" name="Рисунок 23" descr="SLIT7_K1.png"/>
+          <p:cNvPicPr>
+            <a:picLocks noChangeAspect="1"/>
+          </p:cNvPicPr>
+          <p:nvPr/>
+        </p:nvPicPr>
+        <p:blipFill>
+          <a:blip r:embed="rId9" cstate="print"/>
+          <a:stretch>
+            <a:fillRect/>
+          </a:stretch>
+        </p:blipFill>
+        <p:spPr>
+          <a:xfrm>
+            <a:off x="6936088" y="4509120"/>
+            <a:ext cx="2207912" cy="2016224"/>
+          </a:xfrm>
+          <a:prstGeom prst="rect">
+            <a:avLst/>
+          </a:prstGeom>
+        </p:spPr>
+      </p:pic>
+      <p:sp>
+        <p:nvSpPr>
+          <p:cNvPr id="25" name="Прямоугольник 24"/>
           <p:cNvSpPr/>
           <p:nvPr/>
         </p:nvSpPr>
         <p:spPr>
           <a:xfrm>
-            <a:off x="899592" y="2924944"/>
-            <a:ext cx="1152128" cy="369332"/>
+            <a:off x="0" y="6488668"/>
+            <a:ext cx="2483768" cy="369332"/>
           </a:xfrm>
           <a:prstGeom prst="rect">
             <a:avLst/>
@@ -3536,13 +4197,14 @@
           </a:bodyPr>
           <a:lstStyle/>
           <a:p>
+            <a:pPr algn="ctr"/>
             <a:r>
               <a:rPr lang="ru-RU" dirty="0" smtClean="0"/>
               <a:t>фильтр </a:t>
             </a:r>
             <a:r>
               <a:rPr lang="en-US" dirty="0" smtClean="0"/>
-              <a:t>J</a:t>
+              <a:t>YOS</a:t>
             </a:r>
             <a:endParaRPr lang="ru-RU" dirty="0"/>
           </a:p>
@@ -3550,14 +4212,14 @@
       </p:sp>
       <p:sp>
         <p:nvSpPr>
-          <p:cNvPr id="11" name="Прямоугольник 10"/>
+          <p:cNvPr id="26" name="Прямоугольник 25"/>
           <p:cNvSpPr/>
           <p:nvPr/>
         </p:nvSpPr>
         <p:spPr>
           <a:xfrm>
-            <a:off x="4211960" y="2852936"/>
-            <a:ext cx="1152128" cy="369332"/>
+            <a:off x="2627784" y="6488668"/>
+            <a:ext cx="2304256" cy="369332"/>
           </a:xfrm>
           <a:prstGeom prst="rect">
             <a:avLst/>
@@ -3569,13 +4231,14 @@
           </a:bodyPr>
           <a:lstStyle/>
           <a:p>
+            <a:pPr algn="ctr"/>
             <a:r>
               <a:rPr lang="ru-RU" dirty="0" smtClean="0"/>
               <a:t>фильтр </a:t>
             </a:r>
             <a:r>
               <a:rPr lang="en-US" dirty="0" smtClean="0"/>
-              <a:t>H</a:t>
+              <a:t>JOS</a:t>
             </a:r>
             <a:endParaRPr lang="ru-RU" dirty="0"/>
           </a:p>
@@ -3583,14 +4246,14 @@
       </p:sp>
       <p:sp>
         <p:nvSpPr>
-          <p:cNvPr id="12" name="Прямоугольник 11"/>
+          <p:cNvPr id="27" name="Прямоугольник 26"/>
           <p:cNvSpPr/>
           <p:nvPr/>
         </p:nvSpPr>
         <p:spPr>
           <a:xfrm>
-            <a:off x="7452320" y="2636912"/>
-            <a:ext cx="1152128" cy="369332"/>
+            <a:off x="5148064" y="6488668"/>
+            <a:ext cx="1656184" cy="369332"/>
           </a:xfrm>
           <a:prstGeom prst="rect">
             <a:avLst/>
@@ -3602,13 +4265,14 @@
           </a:bodyPr>
           <a:lstStyle/>
           <a:p>
+            <a:pPr algn="ctr"/>
             <a:r>
               <a:rPr lang="ru-RU" dirty="0" smtClean="0"/>
               <a:t>фильтр </a:t>
             </a:r>
             <a:r>
               <a:rPr lang="en-US" dirty="0" smtClean="0"/>
-              <a:t>K</a:t>
+              <a:t>H</a:t>
             </a:r>
             <a:endParaRPr lang="ru-RU" dirty="0"/>
           </a:p>
@@ -3616,14 +4280,14 @@
       </p:sp>
       <p:sp>
         <p:nvSpPr>
-          <p:cNvPr id="13" name="Прямоугольник 12"/>
+          <p:cNvPr id="28" name="Прямоугольник 27"/>
           <p:cNvSpPr/>
           <p:nvPr/>
         </p:nvSpPr>
         <p:spPr>
           <a:xfrm>
-            <a:off x="971600" y="6488668"/>
-            <a:ext cx="1152128" cy="369332"/>
+            <a:off x="6948264" y="6488668"/>
+            <a:ext cx="2195736" cy="369332"/>
           </a:xfrm>
           <a:prstGeom prst="rect">
             <a:avLst/>
@@ -3635,72 +4299,7 @@
           </a:bodyPr>
           <a:lstStyle/>
           <a:p>
-            <a:r>
-              <a:rPr lang="ru-RU" dirty="0" smtClean="0"/>
-              <a:t>фильтр </a:t>
-            </a:r>
-            <a:r>
-              <a:rPr lang="en-US" dirty="0" smtClean="0"/>
-              <a:t>J</a:t>
-            </a:r>
-            <a:endParaRPr lang="ru-RU" dirty="0"/>
-          </a:p>
-        </p:txBody>
-      </p:sp>
-      <p:sp>
-        <p:nvSpPr>
-          <p:cNvPr id="14" name="Прямоугольник 13"/>
-          <p:cNvSpPr/>
-          <p:nvPr/>
-        </p:nvSpPr>
-        <p:spPr>
-          <a:xfrm>
-            <a:off x="4283968" y="6309320"/>
-            <a:ext cx="1152128" cy="369332"/>
-          </a:xfrm>
-          <a:prstGeom prst="rect">
-            <a:avLst/>
-          </a:prstGeom>
-        </p:spPr>
-        <p:txBody>
-          <a:bodyPr wrap="square">
-            <a:spAutoFit/>
-          </a:bodyPr>
-          <a:lstStyle/>
-          <a:p>
-            <a:r>
-              <a:rPr lang="ru-RU" dirty="0" smtClean="0"/>
-              <a:t>фильтр </a:t>
-            </a:r>
-            <a:r>
-              <a:rPr lang="en-US" dirty="0" smtClean="0"/>
-              <a:t>H</a:t>
-            </a:r>
-            <a:endParaRPr lang="ru-RU" dirty="0"/>
-          </a:p>
-        </p:txBody>
-      </p:sp>
-      <p:sp>
-        <p:nvSpPr>
-          <p:cNvPr id="15" name="Прямоугольник 14"/>
-          <p:cNvSpPr/>
-          <p:nvPr/>
-        </p:nvSpPr>
-        <p:spPr>
-          <a:xfrm>
-            <a:off x="7380312" y="6093296"/>
-            <a:ext cx="1152128" cy="369332"/>
-          </a:xfrm>
-          <a:prstGeom prst="rect">
-            <a:avLst/>
-          </a:prstGeom>
-        </p:spPr>
-        <p:txBody>
-          <a:bodyPr wrap="square">
-            <a:spAutoFit/>
-          </a:bodyPr>
-          <a:lstStyle/>
-          <a:p>
+            <a:pPr algn="ctr"/>
             <a:r>
               <a:rPr lang="ru-RU" dirty="0" smtClean="0"/>
               <a:t>фильтр </a:t>
@@ -3718,6 +4317,13 @@
   <p:clrMapOvr>
     <a:masterClrMapping/>
   </p:clrMapOvr>
+  <p:timing>
+    <p:tnLst>
+      <p:par>
+        <p:cTn id="1" dur="indefinite" restart="never" nodeType="tmRoot"/>
+      </p:par>
+    </p:tnLst>
+  </p:timing>
 </p:sld>
 </file>
 
@@ -4161,6 +4767,13 @@
   <p:clrMapOvr>
     <a:masterClrMapping/>
   </p:clrMapOvr>
+  <p:timing>
+    <p:tnLst>
+      <p:par>
+        <p:cTn id="1" dur="indefinite" restart="never" nodeType="tmRoot"/>
+      </p:par>
+    </p:tnLst>
+  </p:timing>
 </p:sld>
 </file>
 
@@ -6339,4 +6952,287 @@
   <a:objectDefaults/>
   <a:extraClrSchemeLst/>
 </a:theme>
+</file>
+
+<file path=ppt/theme/theme2.xml><?xml version="1.0" encoding="utf-8"?>
+<a:theme xmlns:a="http://schemas.openxmlformats.org/drawingml/2006/main" name="Тема Office">
+  <a:themeElements>
+    <a:clrScheme name="Стандартная">
+      <a:dk1>
+        <a:sysClr val="windowText" lastClr="000000"/>
+      </a:dk1>
+      <a:lt1>
+        <a:sysClr val="window" lastClr="FFFFFF"/>
+      </a:lt1>
+      <a:dk2>
+        <a:srgbClr val="1F497D"/>
+      </a:dk2>
+      <a:lt2>
+        <a:srgbClr val="EEECE1"/>
+      </a:lt2>
+      <a:accent1>
+        <a:srgbClr val="4F81BD"/>
+      </a:accent1>
+      <a:accent2>
+        <a:srgbClr val="C0504D"/>
+      </a:accent2>
+      <a:accent3>
+        <a:srgbClr val="9BBB59"/>
+      </a:accent3>
+      <a:accent4>
+        <a:srgbClr val="8064A2"/>
+      </a:accent4>
+      <a:accent5>
+        <a:srgbClr val="4BACC6"/>
+      </a:accent5>
+      <a:accent6>
+        <a:srgbClr val="F79646"/>
+      </a:accent6>
+      <a:hlink>
+        <a:srgbClr val="0000FF"/>
+      </a:hlink>
+      <a:folHlink>
+        <a:srgbClr val="800080"/>
+      </a:folHlink>
+    </a:clrScheme>
+    <a:fontScheme name="Стандартная">
+      <a:majorFont>
+        <a:latin typeface="Calibri"/>
+        <a:ea typeface=""/>
+        <a:cs typeface=""/>
+        <a:font script="Jpan" typeface="ＭＳ Ｐゴシック"/>
+        <a:font script="Hang" typeface="맑은 고딕"/>
+        <a:font script="Hans" typeface="宋体"/>
+        <a:font script="Hant" typeface="新細明體"/>
+        <a:font script="Arab" typeface="Times New Roman"/>
+        <a:font script="Hebr" typeface="Times New Roman"/>
+        <a:font script="Thai" typeface="Angsana New"/>
+        <a:font script="Ethi" typeface="Nyala"/>
+        <a:font script="Beng" typeface="Vrinda"/>
+        <a:font script="Gujr" typeface="Shruti"/>
+        <a:font script="Khmr" typeface="MoolBoran"/>
+        <a:font script="Knda" typeface="Tunga"/>
+        <a:font script="Guru" typeface="Raavi"/>
+        <a:font script="Cans" typeface="Euphemia"/>
+        <a:font script="Cher" typeface="Plantagenet Cherokee"/>
+        <a:font script="Yiii" typeface="Microsoft Yi Baiti"/>
+        <a:font script="Tibt" typeface="Microsoft Himalaya"/>
+        <a:font script="Thaa" typeface="MV Boli"/>
+        <a:font script="Deva" typeface="Mangal"/>
+        <a:font script="Telu" typeface="Gautami"/>
+        <a:font script="Taml" typeface="Latha"/>
+        <a:font script="Syrc" typeface="Estrangelo Edessa"/>
+        <a:font script="Orya" typeface="Kalinga"/>
+        <a:font script="Mlym" typeface="Kartika"/>
+        <a:font script="Laoo" typeface="DokChampa"/>
+        <a:font script="Sinh" typeface="Iskoola Pota"/>
+        <a:font script="Mong" typeface="Mongolian Baiti"/>
+        <a:font script="Viet" typeface="Times New Roman"/>
+        <a:font script="Uigh" typeface="Microsoft Uighur"/>
+      </a:majorFont>
+      <a:minorFont>
+        <a:latin typeface="Calibri"/>
+        <a:ea typeface=""/>
+        <a:cs typeface=""/>
+        <a:font script="Jpan" typeface="ＭＳ Ｐゴシック"/>
+        <a:font script="Hang" typeface="맑은 고딕"/>
+        <a:font script="Hans" typeface="宋体"/>
+        <a:font script="Hant" typeface="新細明體"/>
+        <a:font script="Arab" typeface="Arial"/>
+        <a:font script="Hebr" typeface="Arial"/>
+        <a:font script="Thai" typeface="Cordia New"/>
+        <a:font script="Ethi" typeface="Nyala"/>
+        <a:font script="Beng" typeface="Vrinda"/>
+        <a:font script="Gujr" typeface="Shruti"/>
+        <a:font script="Khmr" typeface="DaunPenh"/>
+        <a:font script="Knda" typeface="Tunga"/>
+        <a:font script="Guru" typeface="Raavi"/>
+        <a:font script="Cans" typeface="Euphemia"/>
+        <a:font script="Cher" typeface="Plantagenet Cherokee"/>
+        <a:font script="Yiii" typeface="Microsoft Yi Baiti"/>
+        <a:font script="Tibt" typeface="Microsoft Himalaya"/>
+        <a:font script="Thaa" typeface="MV Boli"/>
+        <a:font script="Deva" typeface="Mangal"/>
+        <a:font script="Telu" typeface="Gautami"/>
+        <a:font script="Taml" typeface="Latha"/>
+        <a:font script="Syrc" typeface="Estrangelo Edessa"/>
+        <a:font script="Orya" typeface="Kalinga"/>
+        <a:font script="Mlym" typeface="Kartika"/>
+        <a:font script="Laoo" typeface="DokChampa"/>
+        <a:font script="Sinh" typeface="Iskoola Pota"/>
+        <a:font script="Mong" typeface="Mongolian Baiti"/>
+        <a:font script="Viet" typeface="Arial"/>
+        <a:font script="Uigh" typeface="Microsoft Uighur"/>
+      </a:minorFont>
+    </a:fontScheme>
+    <a:fmtScheme name="Стандартная">
+      <a:fillStyleLst>
+        <a:solidFill>
+          <a:schemeClr val="phClr"/>
+        </a:solidFill>
+        <a:gradFill rotWithShape="1">
+          <a:gsLst>
+            <a:gs pos="0">
+              <a:schemeClr val="phClr">
+                <a:tint val="50000"/>
+                <a:satMod val="300000"/>
+              </a:schemeClr>
+            </a:gs>
+            <a:gs pos="35000">
+              <a:schemeClr val="phClr">
+                <a:tint val="37000"/>
+                <a:satMod val="300000"/>
+              </a:schemeClr>
+            </a:gs>
+            <a:gs pos="100000">
+              <a:schemeClr val="phClr">
+                <a:tint val="15000"/>
+                <a:satMod val="350000"/>
+              </a:schemeClr>
+            </a:gs>
+          </a:gsLst>
+          <a:lin ang="16200000" scaled="1"/>
+        </a:gradFill>
+        <a:gradFill rotWithShape="1">
+          <a:gsLst>
+            <a:gs pos="0">
+              <a:schemeClr val="phClr">
+                <a:shade val="51000"/>
+                <a:satMod val="130000"/>
+              </a:schemeClr>
+            </a:gs>
+            <a:gs pos="80000">
+              <a:schemeClr val="phClr">
+                <a:shade val="93000"/>
+                <a:satMod val="130000"/>
+              </a:schemeClr>
+            </a:gs>
+            <a:gs pos="100000">
+              <a:schemeClr val="phClr">
+                <a:shade val="94000"/>
+                <a:satMod val="135000"/>
+              </a:schemeClr>
+            </a:gs>
+          </a:gsLst>
+          <a:lin ang="16200000" scaled="0"/>
+        </a:gradFill>
+      </a:fillStyleLst>
+      <a:lnStyleLst>
+        <a:ln w="9525" cap="flat" cmpd="sng" algn="ctr">
+          <a:solidFill>
+            <a:schemeClr val="phClr">
+              <a:shade val="95000"/>
+              <a:satMod val="105000"/>
+            </a:schemeClr>
+          </a:solidFill>
+          <a:prstDash val="solid"/>
+        </a:ln>
+        <a:ln w="25400" cap="flat" cmpd="sng" algn="ctr">
+          <a:solidFill>
+            <a:schemeClr val="phClr"/>
+          </a:solidFill>
+          <a:prstDash val="solid"/>
+        </a:ln>
+        <a:ln w="38100" cap="flat" cmpd="sng" algn="ctr">
+          <a:solidFill>
+            <a:schemeClr val="phClr"/>
+          </a:solidFill>
+          <a:prstDash val="solid"/>
+        </a:ln>
+      </a:lnStyleLst>
+      <a:effectStyleLst>
+        <a:effectStyle>
+          <a:effectLst>
+            <a:outerShdw blurRad="40000" dist="20000" dir="5400000" rotWithShape="0">
+              <a:srgbClr val="000000">
+                <a:alpha val="38000"/>
+              </a:srgbClr>
+            </a:outerShdw>
+          </a:effectLst>
+        </a:effectStyle>
+        <a:effectStyle>
+          <a:effectLst>
+            <a:outerShdw blurRad="40000" dist="23000" dir="5400000" rotWithShape="0">
+              <a:srgbClr val="000000">
+                <a:alpha val="35000"/>
+              </a:srgbClr>
+            </a:outerShdw>
+          </a:effectLst>
+        </a:effectStyle>
+        <a:effectStyle>
+          <a:effectLst>
+            <a:outerShdw blurRad="40000" dist="23000" dir="5400000" rotWithShape="0">
+              <a:srgbClr val="000000">
+                <a:alpha val="35000"/>
+              </a:srgbClr>
+            </a:outerShdw>
+          </a:effectLst>
+          <a:scene3d>
+            <a:camera prst="orthographicFront">
+              <a:rot lat="0" lon="0" rev="0"/>
+            </a:camera>
+            <a:lightRig rig="threePt" dir="t">
+              <a:rot lat="0" lon="0" rev="1200000"/>
+            </a:lightRig>
+          </a:scene3d>
+          <a:sp3d>
+            <a:bevelT w="63500" h="25400"/>
+          </a:sp3d>
+        </a:effectStyle>
+      </a:effectStyleLst>
+      <a:bgFillStyleLst>
+        <a:solidFill>
+          <a:schemeClr val="phClr"/>
+        </a:solidFill>
+        <a:gradFill rotWithShape="1">
+          <a:gsLst>
+            <a:gs pos="0">
+              <a:schemeClr val="phClr">
+                <a:tint val="40000"/>
+                <a:satMod val="350000"/>
+              </a:schemeClr>
+            </a:gs>
+            <a:gs pos="40000">
+              <a:schemeClr val="phClr">
+                <a:tint val="45000"/>
+                <a:shade val="99000"/>
+                <a:satMod val="350000"/>
+              </a:schemeClr>
+            </a:gs>
+            <a:gs pos="100000">
+              <a:schemeClr val="phClr">
+                <a:shade val="20000"/>
+                <a:satMod val="255000"/>
+              </a:schemeClr>
+            </a:gs>
+          </a:gsLst>
+          <a:path path="circle">
+            <a:fillToRect l="50000" t="-80000" r="50000" b="180000"/>
+          </a:path>
+        </a:gradFill>
+        <a:gradFill rotWithShape="1">
+          <a:gsLst>
+            <a:gs pos="0">
+              <a:schemeClr val="phClr">
+                <a:tint val="80000"/>
+                <a:satMod val="300000"/>
+              </a:schemeClr>
+            </a:gs>
+            <a:gs pos="100000">
+              <a:schemeClr val="phClr">
+                <a:shade val="30000"/>
+                <a:satMod val="200000"/>
+              </a:schemeClr>
+            </a:gs>
+          </a:gsLst>
+          <a:path path="circle">
+            <a:fillToRect l="50000" t="50000" r="50000" b="50000"/>
+          </a:path>
+        </a:gradFill>
+      </a:bgFillStyleLst>
+    </a:fmtScheme>
+  </a:themeElements>
+  <a:objectDefaults/>
+  <a:extraClrSchemeLst/>
+</a:theme>
 </file>